--- a/debug日志.pptx
+++ b/debug日志.pptx
@@ -293,7 +293,7 @@
           <a:p>
             <a:fld id="{E8496E99-0A99-4333-86EB-9948AC868C08}" type="datetimeFigureOut">
               <a:rPr lang="zh-CN" altLang="en-US" smtClean="0"/>
-              <a:t>2025/9/22</a:t>
+              <a:t>2025/9/23</a:t>
             </a:fld>
             <a:endParaRPr lang="zh-CN" altLang="en-US"/>
           </a:p>
@@ -491,7 +491,7 @@
           <a:p>
             <a:fld id="{E8496E99-0A99-4333-86EB-9948AC868C08}" type="datetimeFigureOut">
               <a:rPr lang="zh-CN" altLang="en-US" smtClean="0"/>
-              <a:t>2025/9/22</a:t>
+              <a:t>2025/9/23</a:t>
             </a:fld>
             <a:endParaRPr lang="zh-CN" altLang="en-US"/>
           </a:p>
@@ -699,7 +699,7 @@
           <a:p>
             <a:fld id="{E8496E99-0A99-4333-86EB-9948AC868C08}" type="datetimeFigureOut">
               <a:rPr lang="zh-CN" altLang="en-US" smtClean="0"/>
-              <a:t>2025/9/22</a:t>
+              <a:t>2025/9/23</a:t>
             </a:fld>
             <a:endParaRPr lang="zh-CN" altLang="en-US"/>
           </a:p>
@@ -897,7 +897,7 @@
           <a:p>
             <a:fld id="{E8496E99-0A99-4333-86EB-9948AC868C08}" type="datetimeFigureOut">
               <a:rPr lang="zh-CN" altLang="en-US" smtClean="0"/>
-              <a:t>2025/9/22</a:t>
+              <a:t>2025/9/23</a:t>
             </a:fld>
             <a:endParaRPr lang="zh-CN" altLang="en-US"/>
           </a:p>
@@ -1172,7 +1172,7 @@
           <a:p>
             <a:fld id="{E8496E99-0A99-4333-86EB-9948AC868C08}" type="datetimeFigureOut">
               <a:rPr lang="zh-CN" altLang="en-US" smtClean="0"/>
-              <a:t>2025/9/22</a:t>
+              <a:t>2025/9/23</a:t>
             </a:fld>
             <a:endParaRPr lang="zh-CN" altLang="en-US"/>
           </a:p>
@@ -1437,7 +1437,7 @@
           <a:p>
             <a:fld id="{E8496E99-0A99-4333-86EB-9948AC868C08}" type="datetimeFigureOut">
               <a:rPr lang="zh-CN" altLang="en-US" smtClean="0"/>
-              <a:t>2025/9/22</a:t>
+              <a:t>2025/9/23</a:t>
             </a:fld>
             <a:endParaRPr lang="zh-CN" altLang="en-US"/>
           </a:p>
@@ -1849,7 +1849,7 @@
           <a:p>
             <a:fld id="{E8496E99-0A99-4333-86EB-9948AC868C08}" type="datetimeFigureOut">
               <a:rPr lang="zh-CN" altLang="en-US" smtClean="0"/>
-              <a:t>2025/9/22</a:t>
+              <a:t>2025/9/23</a:t>
             </a:fld>
             <a:endParaRPr lang="zh-CN" altLang="en-US"/>
           </a:p>
@@ -1990,7 +1990,7 @@
           <a:p>
             <a:fld id="{E8496E99-0A99-4333-86EB-9948AC868C08}" type="datetimeFigureOut">
               <a:rPr lang="zh-CN" altLang="en-US" smtClean="0"/>
-              <a:t>2025/9/22</a:t>
+              <a:t>2025/9/23</a:t>
             </a:fld>
             <a:endParaRPr lang="zh-CN" altLang="en-US"/>
           </a:p>
@@ -2103,7 +2103,7 @@
           <a:p>
             <a:fld id="{E8496E99-0A99-4333-86EB-9948AC868C08}" type="datetimeFigureOut">
               <a:rPr lang="zh-CN" altLang="en-US" smtClean="0"/>
-              <a:t>2025/9/22</a:t>
+              <a:t>2025/9/23</a:t>
             </a:fld>
             <a:endParaRPr lang="zh-CN" altLang="en-US"/>
           </a:p>
@@ -2414,7 +2414,7 @@
           <a:p>
             <a:fld id="{E8496E99-0A99-4333-86EB-9948AC868C08}" type="datetimeFigureOut">
               <a:rPr lang="zh-CN" altLang="en-US" smtClean="0"/>
-              <a:t>2025/9/22</a:t>
+              <a:t>2025/9/23</a:t>
             </a:fld>
             <a:endParaRPr lang="zh-CN" altLang="en-US"/>
           </a:p>
@@ -2702,7 +2702,7 @@
           <a:p>
             <a:fld id="{E8496E99-0A99-4333-86EB-9948AC868C08}" type="datetimeFigureOut">
               <a:rPr lang="zh-CN" altLang="en-US" smtClean="0"/>
-              <a:t>2025/9/22</a:t>
+              <a:t>2025/9/23</a:t>
             </a:fld>
             <a:endParaRPr lang="zh-CN" altLang="en-US"/>
           </a:p>
@@ -2943,7 +2943,7 @@
           <a:p>
             <a:fld id="{E8496E99-0A99-4333-86EB-9948AC868C08}" type="datetimeFigureOut">
               <a:rPr lang="zh-CN" altLang="en-US" smtClean="0"/>
-              <a:t>2025/9/22</a:t>
+              <a:t>2025/9/23</a:t>
             </a:fld>
             <a:endParaRPr lang="zh-CN" altLang="en-US"/>
           </a:p>
@@ -6621,10 +6621,9 @@
           </a:p>
           <a:p>
             <a:r>
-              <a:rPr lang="zh-CN" altLang="en-US" sz="1400"/>
+              <a:rPr lang="zh-CN" altLang="en-US" sz="1400" dirty="0"/>
               <a:t>这个花了很长时间来完成。</a:t>
             </a:r>
-            <a:endParaRPr lang="zh-CN" altLang="en-US" sz="1400" dirty="0"/>
           </a:p>
         </p:txBody>
       </p:sp>
@@ -9249,8 +9248,8 @@
         </p:blipFill>
         <p:spPr bwMode="auto">
           <a:xfrm>
-            <a:off x="604998" y="2020296"/>
-            <a:ext cx="10515600" cy="316669"/>
+            <a:off x="746147" y="1914717"/>
+            <a:ext cx="10515600" cy="471344"/>
           </a:xfrm>
           <a:prstGeom prst="rect">
             <a:avLst/>
